--- a/Rate Rule.pptx
+++ b/Rate Rule.pptx
@@ -208,7 +208,7 @@
           <a:p>
             <a:fld id="{05D500E0-C82F-4791-AAF6-32E1C44679C0}" type="datetimeFigureOut">
               <a:rPr lang="en-IN" smtClean="0"/>
-              <a:t>08-05-2022</a:t>
+              <a:t>14-05-2022</a:t>
             </a:fld>
             <a:endParaRPr lang="en-IN"/>
           </a:p>
@@ -741,7 +741,7 @@
           <a:p>
             <a:fld id="{7C644B1B-39D3-4883-978A-751C1692C9ED}" type="datetimeFigureOut">
               <a:rPr lang="en-IN" smtClean="0"/>
-              <a:t>06-05-2022</a:t>
+              <a:t>14-05-2022</a:t>
             </a:fld>
             <a:endParaRPr lang="en-IN"/>
           </a:p>
@@ -911,7 +911,7 @@
           <a:p>
             <a:fld id="{7C644B1B-39D3-4883-978A-751C1692C9ED}" type="datetimeFigureOut">
               <a:rPr lang="en-IN" smtClean="0"/>
-              <a:t>06-05-2022</a:t>
+              <a:t>14-05-2022</a:t>
             </a:fld>
             <a:endParaRPr lang="en-IN"/>
           </a:p>
@@ -1091,7 +1091,7 @@
           <a:p>
             <a:fld id="{7C644B1B-39D3-4883-978A-751C1692C9ED}" type="datetimeFigureOut">
               <a:rPr lang="en-IN" smtClean="0"/>
-              <a:t>06-05-2022</a:t>
+              <a:t>14-05-2022</a:t>
             </a:fld>
             <a:endParaRPr lang="en-IN"/>
           </a:p>
@@ -1261,7 +1261,7 @@
           <a:p>
             <a:fld id="{7C644B1B-39D3-4883-978A-751C1692C9ED}" type="datetimeFigureOut">
               <a:rPr lang="en-IN" smtClean="0"/>
-              <a:t>06-05-2022</a:t>
+              <a:t>14-05-2022</a:t>
             </a:fld>
             <a:endParaRPr lang="en-IN"/>
           </a:p>
@@ -1507,7 +1507,7 @@
           <a:p>
             <a:fld id="{7C644B1B-39D3-4883-978A-751C1692C9ED}" type="datetimeFigureOut">
               <a:rPr lang="en-IN" smtClean="0"/>
-              <a:t>06-05-2022</a:t>
+              <a:t>14-05-2022</a:t>
             </a:fld>
             <a:endParaRPr lang="en-IN"/>
           </a:p>
@@ -1795,7 +1795,7 @@
           <a:p>
             <a:fld id="{7C644B1B-39D3-4883-978A-751C1692C9ED}" type="datetimeFigureOut">
               <a:rPr lang="en-IN" smtClean="0"/>
-              <a:t>06-05-2022</a:t>
+              <a:t>14-05-2022</a:t>
             </a:fld>
             <a:endParaRPr lang="en-IN"/>
           </a:p>
@@ -2217,7 +2217,7 @@
           <a:p>
             <a:fld id="{7C644B1B-39D3-4883-978A-751C1692C9ED}" type="datetimeFigureOut">
               <a:rPr lang="en-IN" smtClean="0"/>
-              <a:t>06-05-2022</a:t>
+              <a:t>14-05-2022</a:t>
             </a:fld>
             <a:endParaRPr lang="en-IN"/>
           </a:p>
@@ -2335,7 +2335,7 @@
           <a:p>
             <a:fld id="{7C644B1B-39D3-4883-978A-751C1692C9ED}" type="datetimeFigureOut">
               <a:rPr lang="en-IN" smtClean="0"/>
-              <a:t>06-05-2022</a:t>
+              <a:t>14-05-2022</a:t>
             </a:fld>
             <a:endParaRPr lang="en-IN"/>
           </a:p>
@@ -2430,7 +2430,7 @@
           <a:p>
             <a:fld id="{7C644B1B-39D3-4883-978A-751C1692C9ED}" type="datetimeFigureOut">
               <a:rPr lang="en-IN" smtClean="0"/>
-              <a:t>06-05-2022</a:t>
+              <a:t>14-05-2022</a:t>
             </a:fld>
             <a:endParaRPr lang="en-IN"/>
           </a:p>
@@ -2707,7 +2707,7 @@
           <a:p>
             <a:fld id="{7C644B1B-39D3-4883-978A-751C1692C9ED}" type="datetimeFigureOut">
               <a:rPr lang="en-IN" smtClean="0"/>
-              <a:t>06-05-2022</a:t>
+              <a:t>14-05-2022</a:t>
             </a:fld>
             <a:endParaRPr lang="en-IN"/>
           </a:p>
@@ -2960,7 +2960,7 @@
           <a:p>
             <a:fld id="{7C644B1B-39D3-4883-978A-751C1692C9ED}" type="datetimeFigureOut">
               <a:rPr lang="en-IN" smtClean="0"/>
-              <a:t>06-05-2022</a:t>
+              <a:t>14-05-2022</a:t>
             </a:fld>
             <a:endParaRPr lang="en-IN"/>
           </a:p>
@@ -3173,7 +3173,7 @@
           <a:p>
             <a:fld id="{7C644B1B-39D3-4883-978A-751C1692C9ED}" type="datetimeFigureOut">
               <a:rPr lang="en-IN" smtClean="0"/>
-              <a:t>06-05-2022</a:t>
+              <a:t>14-05-2022</a:t>
             </a:fld>
             <a:endParaRPr lang="en-IN"/>
           </a:p>
@@ -3581,6 +3581,13 @@
   <p:clrMapOvr>
     <a:masterClrMapping/>
   </p:clrMapOvr>
+  <p:timing>
+    <p:tnLst>
+      <p:par>
+        <p:cTn id="1" dur="indefinite" restart="never" nodeType="tmRoot"/>
+      </p:par>
+    </p:tnLst>
+  </p:timing>
 </p:sld>
 </file>
 
@@ -3924,6 +3931,13 @@
   <p:clrMapOvr>
     <a:masterClrMapping/>
   </p:clrMapOvr>
+  <p:timing>
+    <p:tnLst>
+      <p:par>
+        <p:cTn id="1" dur="indefinite" restart="never" nodeType="tmRoot"/>
+      </p:par>
+    </p:tnLst>
+  </p:timing>
 </p:sld>
 </file>
 
@@ -4283,6 +4297,13 @@
   <p:clrMapOvr>
     <a:masterClrMapping/>
   </p:clrMapOvr>
+  <p:timing>
+    <p:tnLst>
+      <p:par>
+        <p:cTn id="1" dur="indefinite" restart="never" nodeType="tmRoot"/>
+      </p:par>
+    </p:tnLst>
+  </p:timing>
 </p:sld>
 </file>
 
@@ -4540,6 +4561,13 @@
   <p:clrMapOvr>
     <a:masterClrMapping/>
   </p:clrMapOvr>
+  <p:timing>
+    <p:tnLst>
+      <p:par>
+        <p:cTn id="1" dur="indefinite" restart="never" nodeType="tmRoot"/>
+      </p:par>
+    </p:tnLst>
+  </p:timing>
 </p:sld>
 </file>
 
@@ -4655,6 +4683,13 @@
   <p:clrMapOvr>
     <a:masterClrMapping/>
   </p:clrMapOvr>
+  <p:timing>
+    <p:tnLst>
+      <p:par>
+        <p:cTn id="1" dur="indefinite" restart="never" nodeType="tmRoot"/>
+      </p:par>
+    </p:tnLst>
+  </p:timing>
 </p:sld>
 </file>
 
@@ -5671,6 +5706,13 @@
   <p:clrMapOvr>
     <a:masterClrMapping/>
   </p:clrMapOvr>
+  <p:timing>
+    <p:tnLst>
+      <p:par>
+        <p:cTn id="1" dur="indefinite" restart="never" nodeType="tmRoot"/>
+      </p:par>
+    </p:tnLst>
+  </p:timing>
 </p:sld>
 </file>
 
@@ -5761,6 +5803,13 @@
   <p:clrMapOvr>
     <a:masterClrMapping/>
   </p:clrMapOvr>
+  <p:timing>
+    <p:tnLst>
+      <p:par>
+        <p:cTn id="1" dur="indefinite" restart="never" nodeType="tmRoot"/>
+      </p:par>
+    </p:tnLst>
+  </p:timing>
 </p:sld>
 </file>
 
@@ -6264,6 +6313,13 @@
   <p:clrMapOvr>
     <a:masterClrMapping/>
   </p:clrMapOvr>
+  <p:timing>
+    <p:tnLst>
+      <p:par>
+        <p:cTn id="1" dur="indefinite" restart="never" nodeType="tmRoot"/>
+      </p:par>
+    </p:tnLst>
+  </p:timing>
 </p:sld>
 </file>
 
@@ -6356,6 +6412,13 @@
   <p:clrMapOvr>
     <a:masterClrMapping/>
   </p:clrMapOvr>
+  <p:timing>
+    <p:tnLst>
+      <p:par>
+        <p:cTn id="1" dur="indefinite" restart="never" nodeType="tmRoot"/>
+      </p:par>
+    </p:tnLst>
+  </p:timing>
 </p:sld>
 </file>
 
@@ -6532,6 +6595,13 @@
   <p:clrMapOvr>
     <a:masterClrMapping/>
   </p:clrMapOvr>
+  <p:timing>
+    <p:tnLst>
+      <p:par>
+        <p:cTn id="1" dur="indefinite" restart="never" nodeType="tmRoot"/>
+      </p:par>
+    </p:tnLst>
+  </p:timing>
 </p:sld>
 </file>
 
@@ -6924,6 +6994,13 @@
   <p:clrMapOvr>
     <a:masterClrMapping/>
   </p:clrMapOvr>
+  <p:timing>
+    <p:tnLst>
+      <p:par>
+        <p:cTn id="1" dur="indefinite" restart="never" nodeType="tmRoot"/>
+      </p:par>
+    </p:tnLst>
+  </p:timing>
 </p:sld>
 </file>
 
@@ -7433,6 +7510,13 @@
   <p:clrMapOvr>
     <a:masterClrMapping/>
   </p:clrMapOvr>
+  <p:timing>
+    <p:tnLst>
+      <p:par>
+        <p:cTn id="1" dur="indefinite" restart="never" nodeType="tmRoot"/>
+      </p:par>
+    </p:tnLst>
+  </p:timing>
 </p:sld>
 </file>
 
@@ -8076,6 +8160,13 @@
   <p:clrMapOvr>
     <a:masterClrMapping/>
   </p:clrMapOvr>
+  <p:timing>
+    <p:tnLst>
+      <p:par>
+        <p:cTn id="1" dur="indefinite" restart="never" nodeType="tmRoot"/>
+      </p:par>
+    </p:tnLst>
+  </p:timing>
 </p:sld>
 </file>
 
@@ -8343,6 +8434,13 @@
   <p:clrMapOvr>
     <a:masterClrMapping/>
   </p:clrMapOvr>
+  <p:timing>
+    <p:tnLst>
+      <p:par>
+        <p:cTn id="1" dur="indefinite" restart="never" nodeType="tmRoot"/>
+      </p:par>
+    </p:tnLst>
+  </p:timing>
 </p:sld>
 </file>
 
@@ -9157,6 +9255,13 @@
   <p:clrMapOvr>
     <a:masterClrMapping/>
   </p:clrMapOvr>
+  <p:timing>
+    <p:tnLst>
+      <p:par>
+        <p:cTn id="1" dur="indefinite" restart="never" nodeType="tmRoot"/>
+      </p:par>
+    </p:tnLst>
+  </p:timing>
 </p:sld>
 </file>
 
@@ -9272,7 +9377,13 @@
               <a:rPr lang="en-IN" dirty="0" smtClean="0">
                 <a:effectLst/>
               </a:rPr>
-              <a:t>      &lt;Description&gt;</a:t>
+              <a:t>     </a:t>
+            </a:r>
+            <a:r>
+              <a:rPr lang="en-IN" dirty="0" smtClean="0">
+                <a:effectLst/>
+              </a:rPr>
+              <a:t> &lt;Description&gt;</a:t>
             </a:r>
             <a:r>
               <a:rPr lang="en-IN" b="0" i="1" dirty="0" err="1" smtClean="0">
@@ -9815,6 +9926,13 @@
   <p:clrMapOvr>
     <a:masterClrMapping/>
   </p:clrMapOvr>
+  <p:timing>
+    <p:tnLst>
+      <p:par>
+        <p:cTn id="1" dur="indefinite" restart="never" nodeType="tmRoot"/>
+      </p:par>
+    </p:tnLst>
+  </p:timing>
 </p:sld>
 </file>
 
@@ -10163,6 +10281,13 @@
   <p:clrMapOvr>
     <a:masterClrMapping/>
   </p:clrMapOvr>
+  <p:timing>
+    <p:tnLst>
+      <p:par>
+        <p:cTn id="1" dur="indefinite" restart="never" nodeType="tmRoot"/>
+      </p:par>
+    </p:tnLst>
+  </p:timing>
 </p:sld>
 </file>
 
